--- a/lectures/lecture-23/Lecture-Live A00/Lecture 23 - Lecture.pptx
+++ b/lectures/lecture-23/Lecture-Live A00/Lecture 23 - Lecture.pptx
@@ -142,6 +142,198 @@
     </p:ext>
   </p:extLst>
 </p:presentation>
+</file>
+
+<file path=ppt/ink/ink1.xml><?xml version="1.0" encoding="utf-8"?>
+<inkml:ink xmlns:inkml="http://www.w3.org/2003/InkML">
+  <inkml:definitions>
+    <inkml:context xml:id="ctx0">
+      <inkml:inkSource xml:id="inkSrc0">
+        <inkml:traceFormat>
+          <inkml:channel name="X" type="integer" min="-2.14748E9" max="2.14748E9" units="cm"/>
+          <inkml:channel name="Y" type="integer" min="-2.14748E9" max="2.14748E9" units="cm"/>
+          <inkml:channel name="F" type="integer" max="32767" units="dev"/>
+          <inkml:channel name="OA" type="integer" max="360" units="deg"/>
+          <inkml:channel name="OE" type="integer" max="90" units="deg"/>
+        </inkml:traceFormat>
+        <inkml:channelProperties>
+          <inkml:channelProperty channel="X" name="resolution" value="1000" units="1/cm"/>
+          <inkml:channelProperty channel="Y" name="resolution" value="1000" units="1/cm"/>
+          <inkml:channelProperty channel="F" name="resolution" value="0" units="1/dev"/>
+          <inkml:channelProperty channel="OA" name="resolution" value="1000" units="1/deg"/>
+          <inkml:channelProperty channel="OE" name="resolution" value="1000" units="1/deg"/>
+        </inkml:channelProperties>
+      </inkml:inkSource>
+      <inkml:timestamp xml:id="ts0" timeString="2020-12-02T17:00:27.173"/>
+    </inkml:context>
+    <inkml:brush xml:id="br0">
+      <inkml:brushProperty name="width" value="0.05" units="cm"/>
+      <inkml:brushProperty name="height" value="0.05" units="cm"/>
+      <inkml:brushProperty name="color" value="#004F8B"/>
+    </inkml:brush>
+  </inkml:definitions>
+  <inkml:trace contextRef="#ctx0" brushRef="#br0">59 26 2304 0 0,'-6'-2'1581'0'0,"-8"-3"1450"0"0,9 4-2076 0 0,1 0 0 0 0,0-1-1 0 0,-1 0 1 0 0,1 0 0 0 0,-5-3 707 0 0,2-1 2714 0 0,11 7-3626 0 0,54 25 964 0 0,-44-19-1496 0 0,1 0-1 0 0,-1-1 1 0 0,2 0 0 0 0,20 4 0 0 0,-10-6 217 0 0,2-1 0 0 0,51-1 0 0 0,54-12 511 0 0,-84 5-663 0 0,55-6 207 0 0,84-6 204 0 0,-160 15-530 0 0,98 2 643 0 0,-112 1-782 0 0,0 1 0 0 0,-1 0-1 0 0,1 1 1 0 0,0 1 0 0 0,-1 0-1 0 0,25 11 1 0 0,-19-6-73 0 0,-12-6 85 0 0,0 0 0 0 0,0 1 0 0 0,11 7 0 0 0,-17-11 119 0 0,-1 0-132 0 0,1 0 1 0 0,-1 0-1 0 0,1 0 0 0 0,-1 0 1 0 0,1 0-1 0 0,-1 0 0 0 0,1-1 1 0 0,-1 1-1 0 0,1 0 0 0 0,-1 0 0 0 0,1-1 1 0 0,-1 1-1 0 0,1 0 0 0 0,-1 0 1 0 0,0-1-1 0 0,1 1 0 0 0,0-1 1 0 0,-1-4-14 0 0,1 1 1 0 0,-1 0 0 0 0,0 0 0 0 0,-1-8-1 0 0,1 7-235 0 0</inkml:trace>
+</inkml:ink>
+</file>
+
+<file path=ppt/ink/ink2.xml><?xml version="1.0" encoding="utf-8"?>
+<inkml:ink xmlns:inkml="http://www.w3.org/2003/InkML">
+  <inkml:definitions>
+    <inkml:context xml:id="ctx0">
+      <inkml:inkSource xml:id="inkSrc0">
+        <inkml:traceFormat>
+          <inkml:channel name="X" type="integer" min="-2.14748E9" max="2.14748E9" units="cm"/>
+          <inkml:channel name="Y" type="integer" min="-2.14748E9" max="2.14748E9" units="cm"/>
+          <inkml:channel name="F" type="integer" max="32767" units="dev"/>
+          <inkml:channel name="OA" type="integer" max="360" units="deg"/>
+          <inkml:channel name="OE" type="integer" max="90" units="deg"/>
+        </inkml:traceFormat>
+        <inkml:channelProperties>
+          <inkml:channelProperty channel="X" name="resolution" value="1000" units="1/cm"/>
+          <inkml:channelProperty channel="Y" name="resolution" value="1000" units="1/cm"/>
+          <inkml:channelProperty channel="F" name="resolution" value="0" units="1/dev"/>
+          <inkml:channelProperty channel="OA" name="resolution" value="1000" units="1/deg"/>
+          <inkml:channelProperty channel="OE" name="resolution" value="1000" units="1/deg"/>
+        </inkml:channelProperties>
+      </inkml:inkSource>
+      <inkml:timestamp xml:id="ts0" timeString="2020-12-02T17:00:27.847"/>
+    </inkml:context>
+    <inkml:brush xml:id="br0">
+      <inkml:brushProperty name="width" value="0.05" units="cm"/>
+      <inkml:brushProperty name="height" value="0.05" units="cm"/>
+      <inkml:brushProperty name="color" value="#004F8B"/>
+    </inkml:brush>
+  </inkml:definitions>
+  <inkml:trace contextRef="#ctx0" brushRef="#br0">0 65 11488 0 0,'0'0'880'0'0,"0"0"-603"0"0,0 0-271 0 0,0-1 0 0 0,0 1 0 0 0,0 0 1 0 0,0 0-1 0 0,0-1 0 0 0,0 1 0 0 0,0 0 0 0 0,0 0 0 0 0,0-1 1 0 0,0 1-1 0 0,0 0 0 0 0,1 0 0 0 0,-1 0 0 0 0,0-1 0 0 0,0 1 1 0 0,0 0-1 0 0,0 0 0 0 0,0 0 0 0 0,0-1 0 0 0,1 1 0 0 0,-1 0 1 0 0,0 0-1 0 0,0 0 0 0 0,0 0 0 0 0,0 0 0 0 0,1-1 0 0 0,-1 1 0 0 0,0 0 1 0 0,0 0-1 0 0,1 0 0 0 0,-1 0 0 0 0,0 0 0 0 0,0 0 0 0 0,0 0 1 0 0,2-1 1480 0 0,6-8 1055 0 0,-4 7-2277 0 0,-1 0 0 0 0,1 0-1 0 0,-1 0 1 0 0,1 1 0 0 0,0-1-1 0 0,-1 1 1 0 0,1 0 0 0 0,0 0 0 0 0,0 1-1 0 0,0-1 1 0 0,6 0 0 0 0,47 3 750 0 0,-49-1-806 0 0,64 7 798 0 0,17 2-418 0 0,-41-8-340 0 0,71 1 606 0 0,64-4-95 0 0,142-24 771 0 0,-170 11-1322 0 0,44 2 374 0 0,-136 9-351 0 0,30 2-249 0 0,-71 0 257 0 0,15 0 379 0 0,-30 3-596 0 0,-2-3 661 0 0,-4 0-1706 0 0</inkml:trace>
+</inkml:ink>
+</file>
+
+<file path=ppt/ink/ink3.xml><?xml version="1.0" encoding="utf-8"?>
+<inkml:ink xmlns:inkml="http://www.w3.org/2003/InkML">
+  <inkml:definitions>
+    <inkml:context xml:id="ctx0">
+      <inkml:inkSource xml:id="inkSrc0">
+        <inkml:traceFormat>
+          <inkml:channel name="X" type="integer" min="-2.14748E9" max="2.14748E9" units="cm"/>
+          <inkml:channel name="Y" type="integer" min="-2.14748E9" max="2.14748E9" units="cm"/>
+          <inkml:channel name="F" type="integer" max="32767" units="dev"/>
+          <inkml:channel name="OA" type="integer" max="360" units="deg"/>
+          <inkml:channel name="OE" type="integer" max="90" units="deg"/>
+        </inkml:traceFormat>
+        <inkml:channelProperties>
+          <inkml:channelProperty channel="X" name="resolution" value="1000" units="1/cm"/>
+          <inkml:channelProperty channel="Y" name="resolution" value="1000" units="1/cm"/>
+          <inkml:channelProperty channel="F" name="resolution" value="0" units="1/dev"/>
+          <inkml:channelProperty channel="OA" name="resolution" value="1000" units="1/deg"/>
+          <inkml:channelProperty channel="OE" name="resolution" value="1000" units="1/deg"/>
+        </inkml:channelProperties>
+      </inkml:inkSource>
+      <inkml:timestamp xml:id="ts0" timeString="2020-12-02T17:00:30.756"/>
+    </inkml:context>
+    <inkml:brush xml:id="br0">
+      <inkml:brushProperty name="width" value="0.05" units="cm"/>
+      <inkml:brushProperty name="height" value="0.05" units="cm"/>
+      <inkml:brushProperty name="color" value="#004F8B"/>
+    </inkml:brush>
+  </inkml:definitions>
+  <inkml:trace contextRef="#ctx0" brushRef="#br0">8 95 5984 0 0,'0'0'4993'0'0,"-2"0"-4268"0"0,-3 1 2632 0 0,16 1 1574 0 0,-1 0-5536 0 0,16 1 1236 0 0,0-1 1 0 0,1-1-1 0 0,36-4 1 0 0,-35 2-240 0 0,90-11 595 0 0,-49 4-790 0 0,297-17 2127 0 0,-309 22-2093 0 0,78 1 222 0 0,-121 2-364 0 0,0-1-1 0 0,23-5 1 0 0,8 0 157 0 0,-37 5-170 0 0,1 0 0 0 0,0-1 0 0 0,0 0 0 0 0,0-1 0 0 0,11-5 0 0 0,-6-3 75 0 0,-3 1 179 0 0,-10 9-108 0 0,11 2-6418 0 0,-7 0 4241 0 0</inkml:trace>
+</inkml:ink>
+</file>
+
+<file path=ppt/ink/ink4.xml><?xml version="1.0" encoding="utf-8"?>
+<inkml:ink xmlns:inkml="http://www.w3.org/2003/InkML">
+  <inkml:definitions>
+    <inkml:context xml:id="ctx0">
+      <inkml:inkSource xml:id="inkSrc0">
+        <inkml:traceFormat>
+          <inkml:channel name="X" type="integer" min="-2.14748E9" max="2.14748E9" units="cm"/>
+          <inkml:channel name="Y" type="integer" min="-2.14748E9" max="2.14748E9" units="cm"/>
+          <inkml:channel name="F" type="integer" max="32767" units="dev"/>
+          <inkml:channel name="OA" type="integer" max="360" units="deg"/>
+          <inkml:channel name="OE" type="integer" max="90" units="deg"/>
+        </inkml:traceFormat>
+        <inkml:channelProperties>
+          <inkml:channelProperty channel="X" name="resolution" value="1000" units="1/cm"/>
+          <inkml:channelProperty channel="Y" name="resolution" value="1000" units="1/cm"/>
+          <inkml:channelProperty channel="F" name="resolution" value="0" units="1/dev"/>
+          <inkml:channelProperty channel="OA" name="resolution" value="1000" units="1/deg"/>
+          <inkml:channelProperty channel="OE" name="resolution" value="1000" units="1/deg"/>
+        </inkml:channelProperties>
+      </inkml:inkSource>
+      <inkml:timestamp xml:id="ts0" timeString="2020-12-02T17:00:33.271"/>
+    </inkml:context>
+    <inkml:brush xml:id="br0">
+      <inkml:brushProperty name="width" value="0.05" units="cm"/>
+      <inkml:brushProperty name="height" value="0.05" units="cm"/>
+      <inkml:brushProperty name="color" value="#004F8B"/>
+    </inkml:brush>
+  </inkml:definitions>
+  <inkml:trace contextRef="#ctx0" brushRef="#br0">1 98 7280 0 0,'0'0'2945'0'0,"6"-14"3435"0"0,-4 13-6047 0 0,-1 0 0 0 0,1 0 0 0 0,0 1 1 0 0,-1-1-1 0 0,1 0 0 0 0,0 0 0 0 0,0 1 0 0 0,0 0 1 0 0,0-1-1 0 0,-1 1 0 0 0,5 0 0 0 0,25 0 544 0 0,-14 1-486 0 0,414-30 2244 0 0,-178 6-1638 0 0,3 9 714 0 0,-117 25-1271 0 0,-98-6 121 0 0,-39-5-560 0 0,-1 0 0 0 0,0 0 0 0 0,1 0 0 0 0,-1 0 0 0 0,0-1 0 0 0,1 1 0 0 0,-1 0 0 0 0,0 0 0 0 0,1-1 0 0 0,-1 1 0 0 0,0-1 0 0 0,0 1 0 0 0,1-1 0 0 0,-1 0 0 0 0,2-1 0 0 0,-2 2-229 0 0,-1-1-1 0 0,1 0 1 0 0,0 0-1 0 0,0 0 1 0 0,0 0 0 0 0,-1 0-1 0 0,1 0 1 0 0,0 0-1 0 0,-1 0 1 0 0,1 0-1 0 0,0-2 1 0 0,2-4-6101 0 0</inkml:trace>
+</inkml:ink>
+</file>
+
+<file path=ppt/ink/ink5.xml><?xml version="1.0" encoding="utf-8"?>
+<inkml:ink xmlns:inkml="http://www.w3.org/2003/InkML">
+  <inkml:definitions>
+    <inkml:context xml:id="ctx0">
+      <inkml:inkSource xml:id="inkSrc0">
+        <inkml:traceFormat>
+          <inkml:channel name="X" type="integer" min="-2.14748E9" max="2.14748E9" units="cm"/>
+          <inkml:channel name="Y" type="integer" min="-2.14748E9" max="2.14748E9" units="cm"/>
+          <inkml:channel name="F" type="integer" max="32767" units="dev"/>
+          <inkml:channel name="OA" type="integer" max="360" units="deg"/>
+          <inkml:channel name="OE" type="integer" max="90" units="deg"/>
+        </inkml:traceFormat>
+        <inkml:channelProperties>
+          <inkml:channelProperty channel="X" name="resolution" value="1000" units="1/cm"/>
+          <inkml:channelProperty channel="Y" name="resolution" value="1000" units="1/cm"/>
+          <inkml:channelProperty channel="F" name="resolution" value="0" units="1/dev"/>
+          <inkml:channelProperty channel="OA" name="resolution" value="1000" units="1/deg"/>
+          <inkml:channelProperty channel="OE" name="resolution" value="1000" units="1/deg"/>
+        </inkml:channelProperties>
+      </inkml:inkSource>
+      <inkml:timestamp xml:id="ts0" timeString="2020-12-02T17:00:34.451"/>
+    </inkml:context>
+    <inkml:brush xml:id="br0">
+      <inkml:brushProperty name="width" value="0.05" units="cm"/>
+      <inkml:brushProperty name="height" value="0.05" units="cm"/>
+      <inkml:brushProperty name="color" value="#004F8B"/>
+    </inkml:brush>
+  </inkml:definitions>
+  <inkml:trace contextRef="#ctx0" brushRef="#br0">116 43 7368 0 0,'0'0'333'0'0,"-28"7"14515"0"0,116-1-12410 0 0,209-9-1602 0 0,-295 3-873 0 0,17 1 245 0 0,-1-1-1 0 0,0-1 1 0 0,0-1-1 0 0,34-8 0 0 0,-51 10-63 0 0,-17-5 88 0 0,5 0-186 0 0,-13 0-3 0 0,-1 2 0 0 0,-42-2 0 0 0,23 3-18 0 0,37 1-25 0 0,-298-14 75 0 0,303 15-66 0 0,-19 0 102 0 0,0 1 0 0 0,-28 4 0 0 0,103 2 1296 0 0,126-7-977 0 0,36 3-432 0 0,-185-1 12 0 0,-15-2 5 0 0,1 1 0 0 0,-1 1 0 0 0,0 1-1 0 0,26 7 1 0 0,-41-10-15 0 0,0 0 0 0 0,-1 0 0 0 0,1 0 0 0 0,0 1 0 0 0,-1-1 0 0 0,1 0 1 0 0,0 0-1 0 0,-1 1 0 0 0,1-1 0 0 0,0 1 0 0 0,-1-1 0 0 0,1 0 0 0 0,-1 1 0 0 0,1-1 0 0 0,-1 1 0 0 0,1-1 0 0 0,-1 1 0 0 0,1-1 0 0 0,-1 1 0 0 0,1 0 0 0 0,-1-1 1 0 0,0 1-1 0 0,1 0 0 0 0,-1-1 0 0 0,0 1 0 0 0,0 0 0 0 0,1-1 0 0 0,-1 1 0 0 0,0 0 0 0 0,0 0 0 0 0,0-1 0 0 0,0 1 0 0 0,0 0 0 0 0,0-1 0 0 0,0 1 0 0 0,0 0 1 0 0,0 0-1 0 0,0-1 0 0 0,0 1 0 0 0,-1 0 0 0 0,1-1 0 0 0,0 1 0 0 0,0 0 0 0 0,-1-1 0 0 0,1 1 0 0 0,-1 0 0 0 0,1-1 0 0 0,0 1 0 0 0,-1-1 0 0 0,1 1 0 0 0,-1 0 1 0 0,0 0-1 0 0,-2 2-9 0 0,0 0 1 0 0,0 0-1 0 0,0-1 0 0 0,-1 1 1 0 0,1-1-1 0 0,-1 1 1 0 0,1-1-1 0 0,-5 2 1 0 0,-27 7-29 0 0,-1-1 1 0 0,-51 7-1 0 0,80-16 11 0 0,-155 19-301 0 0,-6 1 55 0 0,139-18 341 0 0,24-3-41 0 0,-1 1 0 0 0,0-1 0 0 0,1 1 0 0 0,-1 0-1 0 0,1 1 1 0 0,-9 2 0 0 0,13-4 173 0 0,4 1-89 0 0,13 0 37 0 0,0 0 0 0 0,1 0 0 0 0,27-4 0 0 0,51-13 249 0 0,-21 4-100 0 0,162-31 585 0 0,-181 23-960 0 0,-43 15 51 0 0,1 0 0 0 0,0 1-1 0 0,0 0 1 0 0,13-1 0 0 0,-24 5-87 0 0,0 0 0 0 0,0 0 0 0 0,0 0 0 0 0,0 0-1 0 0,-1 1 1 0 0,1-1 0 0 0,0 1 0 0 0,0-1 0 0 0,-1 1 0 0 0,1 0 0 0 0,0 0 0 0 0,-1 0 0 0 0,1 0-1 0 0,0 0 1 0 0,-1 0 0 0 0,1 0 0 0 0,-1 0 0 0 0,3 3 0 0 0,12 9-10198 0 0</inkml:trace>
+</inkml:ink>
+</file>
+
+<file path=ppt/ink/ink6.xml><?xml version="1.0" encoding="utf-8"?>
+<inkml:ink xmlns:inkml="http://www.w3.org/2003/InkML">
+  <inkml:definitions>
+    <inkml:context xml:id="ctx0">
+      <inkml:inkSource xml:id="inkSrc0">
+        <inkml:traceFormat>
+          <inkml:channel name="X" type="integer" min="-2.14748E9" max="2.14748E9" units="cm"/>
+          <inkml:channel name="Y" type="integer" min="-2.14748E9" max="2.14748E9" units="cm"/>
+          <inkml:channel name="F" type="integer" max="32767" units="dev"/>
+          <inkml:channel name="OA" type="integer" max="360" units="deg"/>
+          <inkml:channel name="OE" type="integer" max="90" units="deg"/>
+        </inkml:traceFormat>
+        <inkml:channelProperties>
+          <inkml:channelProperty channel="X" name="resolution" value="1000" units="1/cm"/>
+          <inkml:channelProperty channel="Y" name="resolution" value="1000" units="1/cm"/>
+          <inkml:channelProperty channel="F" name="resolution" value="0" units="1/dev"/>
+          <inkml:channelProperty channel="OA" name="resolution" value="1000" units="1/deg"/>
+          <inkml:channelProperty channel="OE" name="resolution" value="1000" units="1/deg"/>
+        </inkml:channelProperties>
+      </inkml:inkSource>
+      <inkml:timestamp xml:id="ts0" timeString="2020-12-02T17:00:45.084"/>
+    </inkml:context>
+    <inkml:brush xml:id="br0">
+      <inkml:brushProperty name="width" value="0.05" units="cm"/>
+      <inkml:brushProperty name="height" value="0.05" units="cm"/>
+      <inkml:brushProperty name="color" value="#004F8B"/>
+    </inkml:brush>
+  </inkml:definitions>
+  <inkml:trace contextRef="#ctx0" brushRef="#br0">62 17 6448 0 0,'-47'30'2128'0'0,"41"-26"-708"0"0,-3 0 2296 0 0,9-5-3649 0 0,0 1 0 0 0,0 0 0 0 0,0 0 0 0 0,0 0 0 0 0,0 0 0 0 0,0 0 0 0 0,0 0 0 0 0,0 0 0 0 0,0 0 0 0 0,0 0 67 0 0,0-1-66 0 0,0 1 302 0 0,0-2-262 0 0,0 1-1 0 0,0 0 0 0 0,1 0 1 0 0,-1-1-1 0 0,0 1 1 0 0,0 0-1 0 0,1 0 1 0 0,-1 0-1 0 0,1-1 0 0 0,-1 1 1 0 0,1 0-1 0 0,0 0 1 0 0,0-1-1 0 0,1 1 9 0 0,-1 0-1 0 0,1 0 1 0 0,-1 0-1 0 0,0 0 1 0 0,0-1-1 0 0,0 1 1 0 0,1 0 0 0 0,-1 0-1 0 0,0-1 1 0 0,0-1-1 0 0,0 2-2 0 0,0-1-1 0 0,0 1 1 0 0,1-1-1 0 0,-1 1 0 0 0,0 0 1 0 0,0-1-1 0 0,1 1 1 0 0,-1 0-1 0 0,1 0 1 0 0,1-1-1 0 0,1 1-30 0 0,0 0 1 0 0,1 0-1 0 0,-1 0 1 0 0,0 1-1 0 0,0-1 0 0 0,1 1 1 0 0,-1 0-1 0 0,0 1 0 0 0,0-1 1 0 0,1 1-1 0 0,-1-1 0 0 0,5 3 1 0 0,25 9 77 0 0,16-2 81 0 0,-19-4 125 0 0,1-1 0 0 0,46 1-1 0 0,106-18 883 0 0,179-13-96 0 0,40 18-408 0 0,-337 7-630 0 0,0 4 0 0 0,85 13 0 0 0,129 40 777 0 0,-263-53-772 0 0,14 2 48 0 0,1-2-1 0 0,0-1 0 0 0,0-1 1 0 0,60-4-1 0 0,-59 0 350 0 0,69 4 0 0 0,-71 2-283 0 0,-15-1-149 0 0,24 0-1 0 0,4-1 51 0 0,-28-1-118 0 0,-1 0 0 0 0,18-2-1 0 0,-19 0 13 0 0,-7 1 55 0 0,-1-1 1 0 0,0 1 0 0 0,9-3 0 0 0,-8 1 139 0 0,0-1-1 0 0,0 1 0 0 0,0-1 1 0 0,13-8-1 0 0,-13 6-204 0 0,3-5-116 0 0,-6 6 16 0 0,0 1 1 0 0,0-1-1 0 0,-1 0 0 0 0,1 0 1 0 0,-1 0-1 0 0,0 0 0 0 0,5-8 1 0 0,-8 12-298 0 0,14-13-5494 0 0</inkml:trace>
+</inkml:ink>
 </file>
 
 <file path=ppt/notesMasters/notesMaster1.xml><?xml version="1.0" encoding="utf-8"?>
@@ -836,7 +1028,7 @@
           <a:p>
             <a:fld id="{3A2BF66F-FEB0-48C1-A8B9-A73F54BB1A08}" type="datetimeFigureOut">
               <a:rPr lang="en-US" smtClean="0"/>
-              <a:t>12/1/2020</a:t>
+              <a:t>12/2/2020</a:t>
             </a:fld>
             <a:endParaRPr lang="en-US"/>
           </a:p>
@@ -1036,7 +1228,7 @@
           <a:p>
             <a:fld id="{3A2BF66F-FEB0-48C1-A8B9-A73F54BB1A08}" type="datetimeFigureOut">
               <a:rPr lang="en-US" smtClean="0"/>
-              <a:t>12/1/2020</a:t>
+              <a:t>12/2/2020</a:t>
             </a:fld>
             <a:endParaRPr lang="en-US"/>
           </a:p>
@@ -1246,7 +1438,7 @@
           <a:p>
             <a:fld id="{3A2BF66F-FEB0-48C1-A8B9-A73F54BB1A08}" type="datetimeFigureOut">
               <a:rPr lang="en-US" smtClean="0"/>
-              <a:t>12/1/2020</a:t>
+              <a:t>12/2/2020</a:t>
             </a:fld>
             <a:endParaRPr lang="en-US"/>
           </a:p>
@@ -1446,7 +1638,7 @@
           <a:p>
             <a:fld id="{3A2BF66F-FEB0-48C1-A8B9-A73F54BB1A08}" type="datetimeFigureOut">
               <a:rPr lang="en-US" smtClean="0"/>
-              <a:t>12/1/2020</a:t>
+              <a:t>12/2/2020</a:t>
             </a:fld>
             <a:endParaRPr lang="en-US"/>
           </a:p>
@@ -1723,7 +1915,7 @@
           <a:p>
             <a:fld id="{3A2BF66F-FEB0-48C1-A8B9-A73F54BB1A08}" type="datetimeFigureOut">
               <a:rPr lang="en-US" smtClean="0"/>
-              <a:t>12/1/2020</a:t>
+              <a:t>12/2/2020</a:t>
             </a:fld>
             <a:endParaRPr lang="en-US"/>
           </a:p>
@@ -1990,7 +2182,7 @@
           <a:p>
             <a:fld id="{3A2BF66F-FEB0-48C1-A8B9-A73F54BB1A08}" type="datetimeFigureOut">
               <a:rPr lang="en-US" smtClean="0"/>
-              <a:t>12/1/2020</a:t>
+              <a:t>12/2/2020</a:t>
             </a:fld>
             <a:endParaRPr lang="en-US"/>
           </a:p>
@@ -2404,7 +2596,7 @@
           <a:p>
             <a:fld id="{3A2BF66F-FEB0-48C1-A8B9-A73F54BB1A08}" type="datetimeFigureOut">
               <a:rPr lang="en-US" smtClean="0"/>
-              <a:t>12/1/2020</a:t>
+              <a:t>12/2/2020</a:t>
             </a:fld>
             <a:endParaRPr lang="en-US"/>
           </a:p>
@@ -2547,7 +2739,7 @@
           <a:p>
             <a:fld id="{3A2BF66F-FEB0-48C1-A8B9-A73F54BB1A08}" type="datetimeFigureOut">
               <a:rPr lang="en-US" smtClean="0"/>
-              <a:t>12/1/2020</a:t>
+              <a:t>12/2/2020</a:t>
             </a:fld>
             <a:endParaRPr lang="en-US"/>
           </a:p>
@@ -2662,7 +2854,7 @@
           <a:p>
             <a:fld id="{3A2BF66F-FEB0-48C1-A8B9-A73F54BB1A08}" type="datetimeFigureOut">
               <a:rPr lang="en-US" smtClean="0"/>
-              <a:t>12/1/2020</a:t>
+              <a:t>12/2/2020</a:t>
             </a:fld>
             <a:endParaRPr lang="en-US"/>
           </a:p>
@@ -2974,7 +3166,7 @@
           <a:p>
             <a:fld id="{3A2BF66F-FEB0-48C1-A8B9-A73F54BB1A08}" type="datetimeFigureOut">
               <a:rPr lang="en-US" smtClean="0"/>
-              <a:t>12/1/2020</a:t>
+              <a:t>12/2/2020</a:t>
             </a:fld>
             <a:endParaRPr lang="en-US"/>
           </a:p>
@@ -3264,7 +3456,7 @@
           <a:p>
             <a:fld id="{3A2BF66F-FEB0-48C1-A8B9-A73F54BB1A08}" type="datetimeFigureOut">
               <a:rPr lang="en-US" smtClean="0"/>
-              <a:t>12/1/2020</a:t>
+              <a:t>12/2/2020</a:t>
             </a:fld>
             <a:endParaRPr lang="en-US"/>
           </a:p>
@@ -3507,7 +3699,7 @@
           <a:p>
             <a:fld id="{3A2BF66F-FEB0-48C1-A8B9-A73F54BB1A08}" type="datetimeFigureOut">
               <a:rPr lang="en-US" smtClean="0"/>
-              <a:t>12/1/2020</a:t>
+              <a:t>12/2/2020</a:t>
             </a:fld>
             <a:endParaRPr lang="en-US"/>
           </a:p>
@@ -4178,6 +4370,261 @@
           </a:p>
         </p:txBody>
       </p:sp>
+      <mc:AlternateContent xmlns:mc="http://schemas.openxmlformats.org/markup-compatibility/2006">
+        <mc:Choice xmlns:p14="http://schemas.microsoft.com/office/powerpoint/2010/main" Requires="p14">
+          <p:contentPart p14:bwMode="auto" r:id="rId2">
+            <p14:nvContentPartPr>
+              <p14:cNvPr id="4" name="Ink 3">
+                <a:extLst>
+                  <a:ext uri="{FF2B5EF4-FFF2-40B4-BE49-F238E27FC236}">
+                    <a16:creationId xmlns:a16="http://schemas.microsoft.com/office/drawing/2014/main" id="{8AA8608A-DE7D-446A-B3A1-A74AF151BC31}"/>
+                  </a:ext>
+                </a:extLst>
+              </p14:cNvPr>
+              <p14:cNvContentPartPr/>
+              <p14:nvPr/>
+            </p14:nvContentPartPr>
+            <p14:xfrm>
+              <a:off x="2268289" y="1741939"/>
+              <a:ext cx="398880" cy="32040"/>
+            </p14:xfrm>
+          </p:contentPart>
+        </mc:Choice>
+        <mc:Fallback>
+          <p:pic>
+            <p:nvPicPr>
+              <p:cNvPr id="4" name="Ink 3">
+                <a:extLst>
+                  <a:ext uri="{FF2B5EF4-FFF2-40B4-BE49-F238E27FC236}">
+                    <a16:creationId xmlns:a16="http://schemas.microsoft.com/office/drawing/2014/main" id="{8AA8608A-DE7D-446A-B3A1-A74AF151BC31}"/>
+                  </a:ext>
+                </a:extLst>
+              </p:cNvPr>
+              <p:cNvPicPr/>
+              <p:nvPr/>
+            </p:nvPicPr>
+            <p:blipFill>
+              <a:blip r:embed="rId3"/>
+              <a:stretch>
+                <a:fillRect/>
+              </a:stretch>
+            </p:blipFill>
+            <p:spPr>
+              <a:xfrm>
+                <a:off x="2259649" y="1732939"/>
+                <a:ext cx="416520" cy="49680"/>
+              </a:xfrm>
+              <a:prstGeom prst="rect">
+                <a:avLst/>
+              </a:prstGeom>
+            </p:spPr>
+          </p:pic>
+        </mc:Fallback>
+      </mc:AlternateContent>
+      <mc:AlternateContent xmlns:mc="http://schemas.openxmlformats.org/markup-compatibility/2006">
+        <mc:Choice xmlns:p14="http://schemas.microsoft.com/office/powerpoint/2010/main" Requires="p14">
+          <p:contentPart p14:bwMode="auto" r:id="rId4">
+            <p14:nvContentPartPr>
+              <p14:cNvPr id="5" name="Ink 4">
+                <a:extLst>
+                  <a:ext uri="{FF2B5EF4-FFF2-40B4-BE49-F238E27FC236}">
+                    <a16:creationId xmlns:a16="http://schemas.microsoft.com/office/drawing/2014/main" id="{46BD70FA-F871-46DE-B430-CA99DB8D3557}"/>
+                  </a:ext>
+                </a:extLst>
+              </p14:cNvPr>
+              <p14:cNvContentPartPr/>
+              <p14:nvPr/>
+            </p14:nvContentPartPr>
+            <p14:xfrm>
+              <a:off x="2291329" y="2154859"/>
+              <a:ext cx="557640" cy="23760"/>
+            </p14:xfrm>
+          </p:contentPart>
+        </mc:Choice>
+        <mc:Fallback>
+          <p:pic>
+            <p:nvPicPr>
+              <p:cNvPr id="5" name="Ink 4">
+                <a:extLst>
+                  <a:ext uri="{FF2B5EF4-FFF2-40B4-BE49-F238E27FC236}">
+                    <a16:creationId xmlns:a16="http://schemas.microsoft.com/office/drawing/2014/main" id="{46BD70FA-F871-46DE-B430-CA99DB8D3557}"/>
+                  </a:ext>
+                </a:extLst>
+              </p:cNvPr>
+              <p:cNvPicPr/>
+              <p:nvPr/>
+            </p:nvPicPr>
+            <p:blipFill>
+              <a:blip r:embed="rId5"/>
+              <a:stretch>
+                <a:fillRect/>
+              </a:stretch>
+            </p:blipFill>
+            <p:spPr>
+              <a:xfrm>
+                <a:off x="2282329" y="2146219"/>
+                <a:ext cx="575280" cy="41400"/>
+              </a:xfrm>
+              <a:prstGeom prst="rect">
+                <a:avLst/>
+              </a:prstGeom>
+            </p:spPr>
+          </p:pic>
+        </mc:Fallback>
+      </mc:AlternateContent>
+      <mc:AlternateContent xmlns:mc="http://schemas.openxmlformats.org/markup-compatibility/2006">
+        <mc:Choice xmlns:p14="http://schemas.microsoft.com/office/powerpoint/2010/main" Requires="p14">
+          <p:contentPart p14:bwMode="auto" r:id="rId6">
+            <p14:nvContentPartPr>
+              <p14:cNvPr id="6" name="Ink 5">
+                <a:extLst>
+                  <a:ext uri="{FF2B5EF4-FFF2-40B4-BE49-F238E27FC236}">
+                    <a16:creationId xmlns:a16="http://schemas.microsoft.com/office/drawing/2014/main" id="{2F41A21A-AF5D-407C-8AF1-C5ADBF29F1D6}"/>
+                  </a:ext>
+                </a:extLst>
+              </p14:cNvPr>
+              <p14:cNvContentPartPr/>
+              <p14:nvPr/>
+            </p14:nvContentPartPr>
+            <p14:xfrm>
+              <a:off x="897769" y="2570659"/>
+              <a:ext cx="415440" cy="38520"/>
+            </p14:xfrm>
+          </p:contentPart>
+        </mc:Choice>
+        <mc:Fallback>
+          <p:pic>
+            <p:nvPicPr>
+              <p:cNvPr id="6" name="Ink 5">
+                <a:extLst>
+                  <a:ext uri="{FF2B5EF4-FFF2-40B4-BE49-F238E27FC236}">
+                    <a16:creationId xmlns:a16="http://schemas.microsoft.com/office/drawing/2014/main" id="{2F41A21A-AF5D-407C-8AF1-C5ADBF29F1D6}"/>
+                  </a:ext>
+                </a:extLst>
+              </p:cNvPr>
+              <p:cNvPicPr/>
+              <p:nvPr/>
+            </p:nvPicPr>
+            <p:blipFill>
+              <a:blip r:embed="rId7"/>
+              <a:stretch>
+                <a:fillRect/>
+              </a:stretch>
+            </p:blipFill>
+            <p:spPr>
+              <a:xfrm>
+                <a:off x="889129" y="2561659"/>
+                <a:ext cx="433080" cy="56160"/>
+              </a:xfrm>
+              <a:prstGeom prst="rect">
+                <a:avLst/>
+              </a:prstGeom>
+            </p:spPr>
+          </p:pic>
+        </mc:Fallback>
+      </mc:AlternateContent>
+      <mc:AlternateContent xmlns:mc="http://schemas.openxmlformats.org/markup-compatibility/2006">
+        <mc:Choice xmlns:p14="http://schemas.microsoft.com/office/powerpoint/2010/main" Requires="p14">
+          <p:contentPart p14:bwMode="auto" r:id="rId8">
+            <p14:nvContentPartPr>
+              <p14:cNvPr id="7" name="Ink 6">
+                <a:extLst>
+                  <a:ext uri="{FF2B5EF4-FFF2-40B4-BE49-F238E27FC236}">
+                    <a16:creationId xmlns:a16="http://schemas.microsoft.com/office/drawing/2014/main" id="{93A31F4B-4341-4935-8AC9-D498022781B9}"/>
+                  </a:ext>
+                </a:extLst>
+              </p14:cNvPr>
+              <p14:cNvContentPartPr/>
+              <p14:nvPr/>
+            </p14:nvContentPartPr>
+            <p14:xfrm>
+              <a:off x="1912969" y="2567779"/>
+              <a:ext cx="444600" cy="35280"/>
+            </p14:xfrm>
+          </p:contentPart>
+        </mc:Choice>
+        <mc:Fallback>
+          <p:pic>
+            <p:nvPicPr>
+              <p:cNvPr id="7" name="Ink 6">
+                <a:extLst>
+                  <a:ext uri="{FF2B5EF4-FFF2-40B4-BE49-F238E27FC236}">
+                    <a16:creationId xmlns:a16="http://schemas.microsoft.com/office/drawing/2014/main" id="{93A31F4B-4341-4935-8AC9-D498022781B9}"/>
+                  </a:ext>
+                </a:extLst>
+              </p:cNvPr>
+              <p:cNvPicPr/>
+              <p:nvPr/>
+            </p:nvPicPr>
+            <p:blipFill>
+              <a:blip r:embed="rId9"/>
+              <a:stretch>
+                <a:fillRect/>
+              </a:stretch>
+            </p:blipFill>
+            <p:spPr>
+              <a:xfrm>
+                <a:off x="1904329" y="2559139"/>
+                <a:ext cx="462240" cy="52920"/>
+              </a:xfrm>
+              <a:prstGeom prst="rect">
+                <a:avLst/>
+              </a:prstGeom>
+            </p:spPr>
+          </p:pic>
+        </mc:Fallback>
+      </mc:AlternateContent>
+      <mc:AlternateContent xmlns:mc="http://schemas.openxmlformats.org/markup-compatibility/2006">
+        <mc:Choice xmlns:p14="http://schemas.microsoft.com/office/powerpoint/2010/main" Requires="p14">
+          <p:contentPart p14:bwMode="auto" r:id="rId10">
+            <p14:nvContentPartPr>
+              <p14:cNvPr id="8" name="Ink 7">
+                <a:extLst>
+                  <a:ext uri="{FF2B5EF4-FFF2-40B4-BE49-F238E27FC236}">
+                    <a16:creationId xmlns:a16="http://schemas.microsoft.com/office/drawing/2014/main" id="{FB9762AD-9C2D-41D1-A800-9090E8FDE522}"/>
+                  </a:ext>
+                </a:extLst>
+              </p14:cNvPr>
+              <p14:cNvContentPartPr/>
+              <p14:nvPr/>
+            </p14:nvContentPartPr>
+            <p14:xfrm>
+              <a:off x="4185289" y="2554099"/>
+              <a:ext cx="246600" cy="66600"/>
+            </p14:xfrm>
+          </p:contentPart>
+        </mc:Choice>
+        <mc:Fallback>
+          <p:pic>
+            <p:nvPicPr>
+              <p:cNvPr id="8" name="Ink 7">
+                <a:extLst>
+                  <a:ext uri="{FF2B5EF4-FFF2-40B4-BE49-F238E27FC236}">
+                    <a16:creationId xmlns:a16="http://schemas.microsoft.com/office/drawing/2014/main" id="{FB9762AD-9C2D-41D1-A800-9090E8FDE522}"/>
+                  </a:ext>
+                </a:extLst>
+              </p:cNvPr>
+              <p:cNvPicPr/>
+              <p:nvPr/>
+            </p:nvPicPr>
+            <p:blipFill>
+              <a:blip r:embed="rId11"/>
+              <a:stretch>
+                <a:fillRect/>
+              </a:stretch>
+            </p:blipFill>
+            <p:spPr>
+              <a:xfrm>
+                <a:off x="4176289" y="2545099"/>
+                <a:ext cx="264240" cy="84240"/>
+              </a:xfrm>
+              <a:prstGeom prst="rect">
+                <a:avLst/>
+              </a:prstGeom>
+            </p:spPr>
+          </p:pic>
+        </mc:Fallback>
+      </mc:AlternateContent>
     </p:spTree>
     <p:extLst>
       <p:ext uri="{BB962C8B-B14F-4D97-AF65-F5344CB8AC3E}">
@@ -4273,6 +4720,57 @@
           </a:p>
         </p:txBody>
       </p:sp>
+      <mc:AlternateContent xmlns:mc="http://schemas.openxmlformats.org/markup-compatibility/2006">
+        <mc:Choice xmlns:p14="http://schemas.microsoft.com/office/powerpoint/2010/main" Requires="p14">
+          <p:contentPart p14:bwMode="auto" r:id="rId2">
+            <p14:nvContentPartPr>
+              <p14:cNvPr id="4" name="Ink 3">
+                <a:extLst>
+                  <a:ext uri="{FF2B5EF4-FFF2-40B4-BE49-F238E27FC236}">
+                    <a16:creationId xmlns:a16="http://schemas.microsoft.com/office/drawing/2014/main" id="{E9B84F7E-DD3A-464B-9F51-D1E14E04B9CF}"/>
+                  </a:ext>
+                </a:extLst>
+              </p14:cNvPr>
+              <p14:cNvContentPartPr/>
+              <p14:nvPr/>
+            </p14:nvContentPartPr>
+            <p14:xfrm>
+              <a:off x="840529" y="1766779"/>
+              <a:ext cx="921960" cy="39600"/>
+            </p14:xfrm>
+          </p:contentPart>
+        </mc:Choice>
+        <mc:Fallback>
+          <p:pic>
+            <p:nvPicPr>
+              <p:cNvPr id="4" name="Ink 3">
+                <a:extLst>
+                  <a:ext uri="{FF2B5EF4-FFF2-40B4-BE49-F238E27FC236}">
+                    <a16:creationId xmlns:a16="http://schemas.microsoft.com/office/drawing/2014/main" id="{E9B84F7E-DD3A-464B-9F51-D1E14E04B9CF}"/>
+                  </a:ext>
+                </a:extLst>
+              </p:cNvPr>
+              <p:cNvPicPr/>
+              <p:nvPr/>
+            </p:nvPicPr>
+            <p:blipFill>
+              <a:blip r:embed="rId3"/>
+              <a:stretch>
+                <a:fillRect/>
+              </a:stretch>
+            </p:blipFill>
+            <p:spPr>
+              <a:xfrm>
+                <a:off x="831529" y="1757779"/>
+                <a:ext cx="939600" cy="57240"/>
+              </a:xfrm>
+              <a:prstGeom prst="rect">
+                <a:avLst/>
+              </a:prstGeom>
+            </p:spPr>
+          </p:pic>
+        </mc:Fallback>
+      </mc:AlternateContent>
     </p:spTree>
     <p:extLst>
       <p:ext uri="{BB962C8B-B14F-4D97-AF65-F5344CB8AC3E}">
